--- a/se/slides/05_DesignPatterns.pptx
+++ b/se/slides/05_DesignPatterns.pptx
@@ -10022,6 +10022,32 @@
           </a:p>
         </p:txBody>
       </p:sp>
+      <p:pic>
+        <p:nvPicPr>
+          <p:cNvPr id="5" name="Picture 2" descr="Objektadapter in UML-Notation"/>
+          <p:cNvPicPr>
+            <a:picLocks noChangeAspect="1" noChangeArrowheads="1"/>
+          </p:cNvPicPr>
+          <p:nvPr/>
+        </p:nvPicPr>
+        <p:blipFill>
+          <a:blip r:embed="rId3" cstate="print"/>
+          <a:srcRect/>
+          <a:stretch>
+            <a:fillRect/>
+          </a:stretch>
+        </p:blipFill>
+        <p:spPr bwMode="auto">
+          <a:xfrm>
+            <a:off x="3503712" y="4362097"/>
+            <a:ext cx="5904656" cy="2495903"/>
+          </a:xfrm>
+          <a:prstGeom prst="rect">
+            <a:avLst/>
+          </a:prstGeom>
+          <a:noFill/>
+        </p:spPr>
+      </p:pic>
     </p:spTree>
   </p:cSld>
   <p:clrMapOvr>
@@ -12850,10 +12876,7 @@
           <a:bodyPr/>
           <a:lstStyle/>
           <a:p>
-            <a:r>
-              <a:rPr lang="de-DE" dirty="0"/>
-              <a:t>Struktur des Beispiels</a:t>
-            </a:r>
+            <a:endParaRPr lang="de-DE" dirty="0"/>
           </a:p>
         </p:txBody>
       </p:sp>
@@ -20946,8 +20969,15 @@
           <a:p>
             <a:r>
               <a:rPr lang="de-DE" dirty="0"/>
-              <a:t>Was verbessern Design Patterns und wie sind sie klassifiziert?</a:t>
-            </a:r>
+              <a:t>Was verbessern Design Patterns und wie sind sie klassifiziert</a:t>
+            </a:r>
+            <a:r>
+              <a:rPr lang="de-DE" dirty="0" smtClean="0"/>
+              <a:t>?</a:t>
+            </a:r>
+          </a:p>
+          <a:p>
+            <a:endParaRPr lang="de-DE" dirty="0"/>
           </a:p>
         </p:txBody>
       </p:sp>
@@ -23681,8 +23711,12 @@
           <a:lstStyle/>
           <a:p>
             <a:r>
-              <a:rPr lang="de-DE" smtClean="0"/>
-              <a:t>The Blob</a:t>
+              <a:rPr lang="de-DE" dirty="0" smtClean="0"/>
+              <a:t>The </a:t>
+            </a:r>
+            <a:r>
+              <a:rPr lang="de-DE" dirty="0" err="1" smtClean="0"/>
+              <a:t>Blob</a:t>
             </a:r>
             <a:endParaRPr lang="en-US" dirty="0"/>
           </a:p>
@@ -23901,7 +23935,7 @@
       </p:sp>
       <p:sp>
         <p:nvSpPr>
-          <p:cNvPr id="3" name="Inhaltsplatzhalter 2"/>
+          <p:cNvPr id="6" name="Inhaltsplatzhalter 5"/>
           <p:cNvSpPr>
             <a:spLocks noGrp="1"/>
           </p:cNvSpPr>
@@ -23914,7 +23948,7 @@
           <a:bodyPr/>
           <a:lstStyle/>
           <a:p>
-            <a:endParaRPr lang="de-DE"/>
+            <a:endParaRPr lang="en-US"/>
           </a:p>
         </p:txBody>
       </p:sp>
@@ -24451,7 +24485,7 @@
       </p:sp>
       <p:sp>
         <p:nvSpPr>
-          <p:cNvPr id="3" name="Inhaltsplatzhalter 2"/>
+          <p:cNvPr id="5" name="Inhaltsplatzhalter 4"/>
           <p:cNvSpPr>
             <a:spLocks noGrp="1"/>
           </p:cNvSpPr>
@@ -24464,7 +24498,7 @@
           <a:bodyPr/>
           <a:lstStyle/>
           <a:p>
-            <a:endParaRPr lang="de-DE"/>
+            <a:endParaRPr lang="en-US"/>
           </a:p>
         </p:txBody>
       </p:sp>
@@ -25807,6 +25841,156 @@
       </p:grpSpPr>
       <p:sp>
         <p:nvSpPr>
+          <p:cNvPr id="3" name="Inhaltsplatzhalter 2"/>
+          <p:cNvSpPr>
+            <a:spLocks noGrp="1"/>
+          </p:cNvSpPr>
+          <p:nvPr>
+            <p:ph idx="1"/>
+          </p:nvPr>
+        </p:nvSpPr>
+        <p:spPr/>
+        <p:txBody>
+          <a:bodyPr/>
+          <a:lstStyle/>
+          <a:p>
+            <a:r>
+              <a:rPr lang="en-US" dirty="0"/>
+              <a:t>(1) </a:t>
+            </a:r>
+            <a:r>
+              <a:rPr lang="en-US" dirty="0" err="1"/>
+              <a:t>Finde</a:t>
+            </a:r>
+            <a:r>
+              <a:rPr lang="en-US" dirty="0"/>
+              <a:t> </a:t>
+            </a:r>
+            <a:r>
+              <a:rPr lang="en-US" dirty="0" err="1"/>
+              <a:t>zusammenhängende</a:t>
+            </a:r>
+            <a:r>
+              <a:rPr lang="en-US" dirty="0"/>
+              <a:t> Attribute und </a:t>
+            </a:r>
+            <a:r>
+              <a:rPr lang="en-US" dirty="0" err="1"/>
+              <a:t>Methoden</a:t>
+            </a:r>
+            <a:r>
+              <a:rPr lang="en-US" dirty="0"/>
+              <a:t> </a:t>
+            </a:r>
+            <a:r>
+              <a:rPr lang="en-US" dirty="0" err="1"/>
+              <a:t>im</a:t>
+            </a:r>
+            <a:r>
+              <a:rPr lang="en-US" dirty="0"/>
+              <a:t> </a:t>
+            </a:r>
+            <a:r>
+              <a:rPr lang="en-US" dirty="0" err="1"/>
+              <a:t>Blop</a:t>
+            </a:r>
+            <a:r>
+              <a:rPr lang="en-US" dirty="0"/>
+              <a:t> / God Class und </a:t>
+            </a:r>
+            <a:r>
+              <a:rPr lang="en-US" dirty="0" err="1"/>
+              <a:t>gruppiere</a:t>
+            </a:r>
+            <a:r>
+              <a:rPr lang="en-US" dirty="0"/>
+              <a:t> </a:t>
+            </a:r>
+            <a:r>
+              <a:rPr lang="en-US" dirty="0" err="1"/>
+              <a:t>diese</a:t>
+            </a:r>
+            <a:endParaRPr lang="en-US" dirty="0"/>
+          </a:p>
+          <a:p>
+            <a:r>
+              <a:rPr lang="en-US" dirty="0"/>
+              <a:t>(2) </a:t>
+            </a:r>
+            <a:r>
+              <a:rPr lang="en-US" dirty="0" err="1"/>
+              <a:t>Lagere</a:t>
+            </a:r>
+            <a:r>
+              <a:rPr lang="en-US" dirty="0"/>
+              <a:t> die </a:t>
+            </a:r>
+            <a:r>
+              <a:rPr lang="en-US" dirty="0" err="1"/>
+              <a:t>Gruppen</a:t>
+            </a:r>
+            <a:r>
+              <a:rPr lang="en-US" dirty="0"/>
+              <a:t> in </a:t>
+            </a:r>
+            <a:r>
+              <a:rPr lang="en-US" dirty="0" err="1"/>
+              <a:t>passende</a:t>
+            </a:r>
+            <a:r>
+              <a:rPr lang="en-US" dirty="0"/>
+              <a:t> </a:t>
+            </a:r>
+            <a:r>
+              <a:rPr lang="en-US" dirty="0" err="1"/>
+              <a:t>umgebene</a:t>
+            </a:r>
+            <a:r>
+              <a:rPr lang="en-US" dirty="0"/>
+              <a:t> </a:t>
+            </a:r>
+            <a:r>
+              <a:rPr lang="en-US" dirty="0" err="1"/>
+              <a:t>Klassen</a:t>
+            </a:r>
+            <a:r>
+              <a:rPr lang="en-US" dirty="0"/>
+              <a:t> </a:t>
+            </a:r>
+            <a:r>
+              <a:rPr lang="en-US" dirty="0" err="1"/>
+              <a:t>aus</a:t>
+            </a:r>
+            <a:endParaRPr lang="en-US" dirty="0"/>
+          </a:p>
+        </p:txBody>
+      </p:sp>
+      <p:sp>
+        <p:nvSpPr>
+          <p:cNvPr id="4" name="Foliennummernplatzhalter 3"/>
+          <p:cNvSpPr>
+            <a:spLocks noGrp="1"/>
+          </p:cNvSpPr>
+          <p:nvPr>
+            <p:ph type="sldNum" sz="quarter" idx="12"/>
+          </p:nvPr>
+        </p:nvSpPr>
+        <p:spPr/>
+        <p:txBody>
+          <a:bodyPr/>
+          <a:lstStyle/>
+          <a:p>
+            <a:fld id="{6C6AE60A-B69C-4790-82F7-3882EDF23186}" type="slidenum">
+              <a:rPr lang="de-DE" smtClean="0"/>
+              <a:pPr/>
+              <a:t>54</a:t>
+            </a:fld>
+            <a:endParaRPr lang="de-DE"/>
+          </a:p>
+        </p:txBody>
+      </p:sp>
+      <p:sp>
+        <p:nvSpPr>
           <p:cNvPr id="2" name="Titel 1"/>
           <p:cNvSpPr>
             <a:spLocks noGrp="1"/>
@@ -25824,156 +26008,6 @@
               <a:rPr lang="en-US"/>
               <a:t>Aufgabe</a:t>
             </a:r>
-          </a:p>
-        </p:txBody>
-      </p:sp>
-      <p:sp>
-        <p:nvSpPr>
-          <p:cNvPr id="3" name="Inhaltsplatzhalter 2"/>
-          <p:cNvSpPr>
-            <a:spLocks noGrp="1"/>
-          </p:cNvSpPr>
-          <p:nvPr>
-            <p:ph idx="1"/>
-          </p:nvPr>
-        </p:nvSpPr>
-        <p:spPr/>
-        <p:txBody>
-          <a:bodyPr/>
-          <a:lstStyle/>
-          <a:p>
-            <a:r>
-              <a:rPr lang="en-US" dirty="0"/>
-              <a:t>(1) </a:t>
-            </a:r>
-            <a:r>
-              <a:rPr lang="en-US" dirty="0" err="1"/>
-              <a:t>Finde</a:t>
-            </a:r>
-            <a:r>
-              <a:rPr lang="en-US" dirty="0"/>
-              <a:t> </a:t>
-            </a:r>
-            <a:r>
-              <a:rPr lang="en-US" dirty="0" err="1"/>
-              <a:t>zusammenhängende</a:t>
-            </a:r>
-            <a:r>
-              <a:rPr lang="en-US" dirty="0"/>
-              <a:t> Attribute und </a:t>
-            </a:r>
-            <a:r>
-              <a:rPr lang="en-US" dirty="0" err="1"/>
-              <a:t>Methoden</a:t>
-            </a:r>
-            <a:r>
-              <a:rPr lang="en-US" dirty="0"/>
-              <a:t> </a:t>
-            </a:r>
-            <a:r>
-              <a:rPr lang="en-US" dirty="0" err="1"/>
-              <a:t>im</a:t>
-            </a:r>
-            <a:r>
-              <a:rPr lang="en-US" dirty="0"/>
-              <a:t> </a:t>
-            </a:r>
-            <a:r>
-              <a:rPr lang="en-US" dirty="0" err="1"/>
-              <a:t>Blop</a:t>
-            </a:r>
-            <a:r>
-              <a:rPr lang="en-US" dirty="0"/>
-              <a:t> / God Class und </a:t>
-            </a:r>
-            <a:r>
-              <a:rPr lang="en-US" dirty="0" err="1"/>
-              <a:t>gruppiere</a:t>
-            </a:r>
-            <a:r>
-              <a:rPr lang="en-US" dirty="0"/>
-              <a:t> </a:t>
-            </a:r>
-            <a:r>
-              <a:rPr lang="en-US" dirty="0" err="1"/>
-              <a:t>diese</a:t>
-            </a:r>
-            <a:endParaRPr lang="en-US" dirty="0"/>
-          </a:p>
-          <a:p>
-            <a:r>
-              <a:rPr lang="en-US" dirty="0"/>
-              <a:t>(2) </a:t>
-            </a:r>
-            <a:r>
-              <a:rPr lang="en-US" dirty="0" err="1"/>
-              <a:t>Lagere</a:t>
-            </a:r>
-            <a:r>
-              <a:rPr lang="en-US" dirty="0"/>
-              <a:t> die </a:t>
-            </a:r>
-            <a:r>
-              <a:rPr lang="en-US" dirty="0" err="1"/>
-              <a:t>Gruppen</a:t>
-            </a:r>
-            <a:r>
-              <a:rPr lang="en-US" dirty="0"/>
-              <a:t> in </a:t>
-            </a:r>
-            <a:r>
-              <a:rPr lang="en-US" dirty="0" err="1"/>
-              <a:t>passende</a:t>
-            </a:r>
-            <a:r>
-              <a:rPr lang="en-US" dirty="0"/>
-              <a:t> </a:t>
-            </a:r>
-            <a:r>
-              <a:rPr lang="en-US" dirty="0" err="1"/>
-              <a:t>umgebene</a:t>
-            </a:r>
-            <a:r>
-              <a:rPr lang="en-US" dirty="0"/>
-              <a:t> </a:t>
-            </a:r>
-            <a:r>
-              <a:rPr lang="en-US" dirty="0" err="1"/>
-              <a:t>Klassen</a:t>
-            </a:r>
-            <a:r>
-              <a:rPr lang="en-US" dirty="0"/>
-              <a:t> </a:t>
-            </a:r>
-            <a:r>
-              <a:rPr lang="en-US" dirty="0" err="1"/>
-              <a:t>aus</a:t>
-            </a:r>
-            <a:endParaRPr lang="en-US" dirty="0"/>
-          </a:p>
-        </p:txBody>
-      </p:sp>
-      <p:sp>
-        <p:nvSpPr>
-          <p:cNvPr id="4" name="Foliennummernplatzhalter 3"/>
-          <p:cNvSpPr>
-            <a:spLocks noGrp="1"/>
-          </p:cNvSpPr>
-          <p:nvPr>
-            <p:ph type="sldNum" sz="quarter" idx="12"/>
-          </p:nvPr>
-        </p:nvSpPr>
-        <p:spPr/>
-        <p:txBody>
-          <a:bodyPr/>
-          <a:lstStyle/>
-          <a:p>
-            <a:fld id="{6C6AE60A-B69C-4790-82F7-3882EDF23186}" type="slidenum">
-              <a:rPr lang="de-DE" smtClean="0"/>
-              <a:pPr/>
-              <a:t>54</a:t>
-            </a:fld>
-            <a:endParaRPr lang="de-DE"/>
           </a:p>
         </p:txBody>
       </p:sp>
@@ -26004,6 +26038,49 @@
       </p:grpSpPr>
       <p:sp>
         <p:nvSpPr>
+          <p:cNvPr id="5" name="Inhaltsplatzhalter 4"/>
+          <p:cNvSpPr>
+            <a:spLocks noGrp="1"/>
+          </p:cNvSpPr>
+          <p:nvPr>
+            <p:ph idx="1"/>
+          </p:nvPr>
+        </p:nvSpPr>
+        <p:spPr/>
+        <p:txBody>
+          <a:bodyPr/>
+          <a:lstStyle/>
+          <a:p>
+            <a:endParaRPr lang="en-US"/>
+          </a:p>
+        </p:txBody>
+      </p:sp>
+      <p:sp>
+        <p:nvSpPr>
+          <p:cNvPr id="4" name="Foliennummernplatzhalter 3"/>
+          <p:cNvSpPr>
+            <a:spLocks noGrp="1"/>
+          </p:cNvSpPr>
+          <p:nvPr>
+            <p:ph type="sldNum" sz="quarter" idx="12"/>
+          </p:nvPr>
+        </p:nvSpPr>
+        <p:spPr/>
+        <p:txBody>
+          <a:bodyPr/>
+          <a:lstStyle/>
+          <a:p>
+            <a:fld id="{6C6AE60A-B69C-4790-82F7-3882EDF23186}" type="slidenum">
+              <a:rPr lang="de-DE" smtClean="0"/>
+              <a:pPr/>
+              <a:t>55</a:t>
+            </a:fld>
+            <a:endParaRPr lang="de-DE"/>
+          </a:p>
+        </p:txBody>
+      </p:sp>
+      <p:sp>
+        <p:nvSpPr>
           <p:cNvPr id="2" name="Titel 1"/>
           <p:cNvSpPr>
             <a:spLocks noGrp="1"/>
@@ -26021,49 +26098,6 @@
               <a:rPr lang="en-US" dirty="0"/>
               <a:t>The Blob III</a:t>
             </a:r>
-          </a:p>
-        </p:txBody>
-      </p:sp>
-      <p:sp>
-        <p:nvSpPr>
-          <p:cNvPr id="3" name="Inhaltsplatzhalter 2"/>
-          <p:cNvSpPr>
-            <a:spLocks noGrp="1"/>
-          </p:cNvSpPr>
-          <p:nvPr>
-            <p:ph idx="1"/>
-          </p:nvPr>
-        </p:nvSpPr>
-        <p:spPr/>
-        <p:txBody>
-          <a:bodyPr/>
-          <a:lstStyle/>
-          <a:p>
-            <a:endParaRPr lang="de-DE"/>
-          </a:p>
-        </p:txBody>
-      </p:sp>
-      <p:sp>
-        <p:nvSpPr>
-          <p:cNvPr id="4" name="Foliennummernplatzhalter 3"/>
-          <p:cNvSpPr>
-            <a:spLocks noGrp="1"/>
-          </p:cNvSpPr>
-          <p:nvPr>
-            <p:ph type="sldNum" sz="quarter" idx="12"/>
-          </p:nvPr>
-        </p:nvSpPr>
-        <p:spPr/>
-        <p:txBody>
-          <a:bodyPr/>
-          <a:lstStyle/>
-          <a:p>
-            <a:fld id="{6C6AE60A-B69C-4790-82F7-3882EDF23186}" type="slidenum">
-              <a:rPr lang="de-DE" smtClean="0"/>
-              <a:pPr/>
-              <a:t>55</a:t>
-            </a:fld>
-            <a:endParaRPr lang="de-DE"/>
           </a:p>
         </p:txBody>
       </p:sp>
@@ -28290,7 +28324,7 @@
       </p:sp>
       <p:sp>
         <p:nvSpPr>
-          <p:cNvPr id="3" name="Inhaltsplatzhalter 2"/>
+          <p:cNvPr id="5" name="Inhaltsplatzhalter 4"/>
           <p:cNvSpPr>
             <a:spLocks noGrp="1"/>
           </p:cNvSpPr>
@@ -28303,7 +28337,7 @@
           <a:bodyPr/>
           <a:lstStyle/>
           <a:p>
-            <a:endParaRPr lang="de-DE"/>
+            <a:endParaRPr lang="en-US"/>
           </a:p>
         </p:txBody>
       </p:sp>
@@ -30696,7 +30730,7 @@
       </p:sp>
       <p:sp>
         <p:nvSpPr>
-          <p:cNvPr id="3" name="Inhaltsplatzhalter 2"/>
+          <p:cNvPr id="5" name="Inhaltsplatzhalter 4"/>
           <p:cNvSpPr>
             <a:spLocks noGrp="1"/>
           </p:cNvSpPr>
@@ -30709,7 +30743,7 @@
           <a:bodyPr/>
           <a:lstStyle/>
           <a:p>
-            <a:endParaRPr lang="de-DE"/>
+            <a:endParaRPr lang="en-US"/>
           </a:p>
         </p:txBody>
       </p:sp>

--- a/se/slides/05_DesignPatterns.pptx
+++ b/se/slides/05_DesignPatterns.pptx
@@ -266,7 +266,7 @@
             <a:fld id="{DCD555DF-A998-4826-B2E4-6D27A37DCCB3}" type="datetimeFigureOut">
               <a:rPr lang="de-DE" smtClean="0"/>
               <a:pPr/>
-              <a:t>05.11.2019</a:t>
+              <a:t>10.11.2019</a:t>
             </a:fld>
             <a:endParaRPr lang="en-US"/>
           </a:p>
@@ -1922,7 +1922,7 @@
               <a:pPr>
                 <a:defRPr/>
               </a:pPr>
-              <a:t>05.11.2019</a:t>
+              <a:t>10.11.2019</a:t>
             </a:fld>
             <a:endParaRPr lang="de-DE" dirty="0"/>
           </a:p>
@@ -2307,7 +2307,7 @@
               <a:pPr>
                 <a:defRPr/>
               </a:pPr>
-              <a:t>05.11.2019</a:t>
+              <a:t>10.11.2019</a:t>
             </a:fld>
             <a:endParaRPr lang="de-DE" dirty="0"/>
           </a:p>
@@ -2658,7 +2658,7 @@
               <a:pPr>
                 <a:defRPr/>
               </a:pPr>
-              <a:t>05.11.2019</a:t>
+              <a:t>10.11.2019</a:t>
             </a:fld>
             <a:endParaRPr lang="de-DE"/>
           </a:p>
@@ -3012,7 +3012,7 @@
               <a:pPr>
                 <a:defRPr/>
               </a:pPr>
-              <a:t>05.11.2019</a:t>
+              <a:t>10.11.2019</a:t>
             </a:fld>
             <a:endParaRPr lang="de-DE" dirty="0"/>
           </a:p>
@@ -3541,7 +3541,7 @@
             <a:fld id="{21783CAB-C048-418C-93C1-A1A2D0F49E84}" type="datetime1">
               <a:rPr lang="de-DE" smtClean="0"/>
               <a:pPr/>
-              <a:t>05.11.2019</a:t>
+              <a:t>10.11.2019</a:t>
             </a:fld>
             <a:endParaRPr lang="de-DE"/>
           </a:p>
@@ -3891,7 +3891,7 @@
               <a:pPr>
                 <a:defRPr/>
               </a:pPr>
-              <a:t>05.11.2019</a:t>
+              <a:t>10.11.2019</a:t>
             </a:fld>
             <a:endParaRPr lang="de-DE"/>
           </a:p>
@@ -4203,7 +4203,7 @@
               <a:pPr>
                 <a:defRPr/>
               </a:pPr>
-              <a:t>05.11.2019</a:t>
+              <a:t>10.11.2019</a:t>
             </a:fld>
             <a:endParaRPr lang="de-DE"/>
           </a:p>
@@ -4480,7 +4480,7 @@
             <a:fld id="{21783CAB-C048-418C-93C1-A1A2D0F49E84}" type="datetime1">
               <a:rPr lang="de-DE" smtClean="0"/>
               <a:pPr/>
-              <a:t>05.11.2019</a:t>
+              <a:t>10.11.2019</a:t>
             </a:fld>
             <a:endParaRPr lang="de-DE"/>
           </a:p>
@@ -4712,7 +4712,7 @@
             <a:fld id="{21783CAB-C048-418C-93C1-A1A2D0F49E84}" type="datetime1">
               <a:rPr lang="de-DE" smtClean="0"/>
               <a:pPr/>
-              <a:t>05.11.2019</a:t>
+              <a:t>10.11.2019</a:t>
             </a:fld>
             <a:endParaRPr lang="de-DE"/>
           </a:p>
@@ -5621,6 +5621,13 @@
   <p:clrMapOvr>
     <a:masterClrMapping/>
   </p:clrMapOvr>
+  <p:timing>
+    <p:tnLst>
+      <p:par>
+        <p:cTn id="1" dur="indefinite" restart="never" nodeType="tmRoot"/>
+      </p:par>
+    </p:tnLst>
+  </p:timing>
 </p:sld>
 </file>
 
@@ -5749,6 +5756,13 @@
   <p:clrMapOvr>
     <a:masterClrMapping/>
   </p:clrMapOvr>
+  <p:timing>
+    <p:tnLst>
+      <p:par>
+        <p:cTn id="1" dur="indefinite" restart="never" nodeType="tmRoot"/>
+      </p:par>
+    </p:tnLst>
+  </p:timing>
 </p:sld>
 </file>
 
@@ -5896,6 +5910,13 @@
   <p:clrMapOvr>
     <a:masterClrMapping/>
   </p:clrMapOvr>
+  <p:timing>
+    <p:tnLst>
+      <p:par>
+        <p:cTn id="1" dur="indefinite" restart="never" nodeType="tmRoot"/>
+      </p:par>
+    </p:tnLst>
+  </p:timing>
 </p:sld>
 </file>
 
@@ -6021,6 +6042,13 @@
   <p:clrMapOvr>
     <a:masterClrMapping/>
   </p:clrMapOvr>
+  <p:timing>
+    <p:tnLst>
+      <p:par>
+        <p:cTn id="1" dur="indefinite" restart="never" nodeType="tmRoot"/>
+      </p:par>
+    </p:tnLst>
+  </p:timing>
 </p:sld>
 </file>
 
@@ -6529,6 +6557,13 @@
   <p:clrMapOvr>
     <a:masterClrMapping/>
   </p:clrMapOvr>
+  <p:timing>
+    <p:tnLst>
+      <p:par>
+        <p:cTn id="1" dur="indefinite" restart="never" nodeType="tmRoot"/>
+      </p:par>
+    </p:tnLst>
+  </p:timing>
 </p:sld>
 </file>
 
@@ -6944,6 +6979,13 @@
   <p:clrMapOvr>
     <a:masterClrMapping/>
   </p:clrMapOvr>
+  <p:timing>
+    <p:tnLst>
+      <p:par>
+        <p:cTn id="1" dur="indefinite" restart="never" nodeType="tmRoot"/>
+      </p:par>
+    </p:tnLst>
+  </p:timing>
 </p:sld>
 </file>
 
@@ -7114,6 +7156,13 @@
   <p:clrMapOvr>
     <a:masterClrMapping/>
   </p:clrMapOvr>
+  <p:timing>
+    <p:tnLst>
+      <p:par>
+        <p:cTn id="1" dur="indefinite" restart="never" nodeType="tmRoot"/>
+      </p:par>
+    </p:tnLst>
+  </p:timing>
 </p:sld>
 </file>
 
@@ -8310,6 +8359,13 @@
   <p:clrMapOvr>
     <a:masterClrMapping/>
   </p:clrMapOvr>
+  <p:timing>
+    <p:tnLst>
+      <p:par>
+        <p:cTn id="1" dur="indefinite" restart="never" nodeType="tmRoot"/>
+      </p:par>
+    </p:tnLst>
+  </p:timing>
 </p:sld>
 </file>
 
@@ -8655,6 +8711,13 @@
   <p:clrMapOvr>
     <a:masterClrMapping/>
   </p:clrMapOvr>
+  <p:timing>
+    <p:tnLst>
+      <p:par>
+        <p:cTn id="1" dur="indefinite" restart="never" nodeType="tmRoot"/>
+      </p:par>
+    </p:tnLst>
+  </p:timing>
 </p:sld>
 </file>
 
@@ -8945,6 +9008,13 @@
   <p:clrMapOvr>
     <a:masterClrMapping/>
   </p:clrMapOvr>
+  <p:timing>
+    <p:tnLst>
+      <p:par>
+        <p:cTn id="1" dur="indefinite" restart="never" nodeType="tmRoot"/>
+      </p:par>
+    </p:tnLst>
+  </p:timing>
 </p:sld>
 </file>
 
@@ -9053,6 +9123,13 @@
   <p:clrMapOvr>
     <a:masterClrMapping/>
   </p:clrMapOvr>
+  <p:timing>
+    <p:tnLst>
+      <p:par>
+        <p:cTn id="1" dur="indefinite" restart="never" nodeType="tmRoot"/>
+      </p:par>
+    </p:tnLst>
+  </p:timing>
 </p:sld>
 </file>
 
@@ -9205,6 +9282,13 @@
   <p:clrMapOvr>
     <a:masterClrMapping/>
   </p:clrMapOvr>
+  <p:timing>
+    <p:tnLst>
+      <p:par>
+        <p:cTn id="1" dur="indefinite" restart="never" nodeType="tmRoot"/>
+      </p:par>
+    </p:tnLst>
+  </p:timing>
 </p:sld>
 </file>
 
@@ -9462,6 +9546,13 @@
   <p:clrMapOvr>
     <a:masterClrMapping/>
   </p:clrMapOvr>
+  <p:timing>
+    <p:tnLst>
+      <p:par>
+        <p:cTn id="1" dur="indefinite" restart="never" nodeType="tmRoot"/>
+      </p:par>
+    </p:tnLst>
+  </p:timing>
 </p:sld>
 </file>
 
@@ -9906,6 +9997,13 @@
   <p:clrMapOvr>
     <a:masterClrMapping/>
   </p:clrMapOvr>
+  <p:timing>
+    <p:tnLst>
+      <p:par>
+        <p:cTn id="1" dur="indefinite" restart="never" nodeType="tmRoot"/>
+      </p:par>
+    </p:tnLst>
+  </p:timing>
 </p:sld>
 </file>
 
@@ -10053,6 +10151,13 @@
   <p:clrMapOvr>
     <a:masterClrMapping/>
   </p:clrMapOvr>
+  <p:timing>
+    <p:tnLst>
+      <p:par>
+        <p:cTn id="1" dur="indefinite" restart="never" nodeType="tmRoot"/>
+      </p:par>
+    </p:tnLst>
+  </p:timing>
 </p:sld>
 </file>
 
@@ -11157,6 +11262,13 @@
   <p:clrMapOvr>
     <a:masterClrMapping/>
   </p:clrMapOvr>
+  <p:timing>
+    <p:tnLst>
+      <p:par>
+        <p:cTn id="1" dur="indefinite" restart="never" nodeType="tmRoot"/>
+      </p:par>
+    </p:tnLst>
+  </p:timing>
 </p:sld>
 </file>
 
@@ -11354,6 +11466,13 @@
   <p:clrMapOvr>
     <a:masterClrMapping/>
   </p:clrMapOvr>
+  <p:timing>
+    <p:tnLst>
+      <p:par>
+        <p:cTn id="1" dur="indefinite" restart="never" nodeType="tmRoot"/>
+      </p:par>
+    </p:tnLst>
+  </p:timing>
 </p:sld>
 </file>
 
@@ -11811,6 +11930,13 @@
   <p:clrMapOvr>
     <a:masterClrMapping/>
   </p:clrMapOvr>
+  <p:timing>
+    <p:tnLst>
+      <p:par>
+        <p:cTn id="1" dur="indefinite" restart="never" nodeType="tmRoot"/>
+      </p:par>
+    </p:tnLst>
+  </p:timing>
 </p:sld>
 </file>
 
@@ -12569,6 +12695,13 @@
   <p:clrMapOvr>
     <a:masterClrMapping/>
   </p:clrMapOvr>
+  <p:timing>
+    <p:tnLst>
+      <p:par>
+        <p:cTn id="1" dur="indefinite" restart="never" nodeType="tmRoot"/>
+      </p:par>
+    </p:tnLst>
+  </p:timing>
 </p:sld>
 </file>
 
@@ -14039,6 +14172,13 @@
   <p:clrMapOvr>
     <a:masterClrMapping/>
   </p:clrMapOvr>
+  <p:timing>
+    <p:tnLst>
+      <p:par>
+        <p:cTn id="1" dur="indefinite" restart="never" nodeType="tmRoot"/>
+      </p:par>
+    </p:tnLst>
+  </p:timing>
 </p:sld>
 </file>
 
@@ -14669,6 +14809,13 @@
   <p:clrMapOvr>
     <a:masterClrMapping/>
   </p:clrMapOvr>
+  <p:timing>
+    <p:tnLst>
+      <p:par>
+        <p:cTn id="1" dur="indefinite" restart="never" nodeType="tmRoot"/>
+      </p:par>
+    </p:tnLst>
+  </p:timing>
 </p:sld>
 </file>
 
@@ -14845,6 +14992,13 @@
   <p:clrMapOvr>
     <a:masterClrMapping/>
   </p:clrMapOvr>
+  <p:timing>
+    <p:tnLst>
+      <p:par>
+        <p:cTn id="1" dur="indefinite" restart="never" nodeType="tmRoot"/>
+      </p:par>
+    </p:tnLst>
+  </p:timing>
 </p:sld>
 </file>
 
@@ -15440,6 +15594,13 @@
   <p:clrMapOvr>
     <a:masterClrMapping/>
   </p:clrMapOvr>
+  <p:timing>
+    <p:tnLst>
+      <p:par>
+        <p:cTn id="1" dur="indefinite" restart="never" nodeType="tmRoot"/>
+      </p:par>
+    </p:tnLst>
+  </p:timing>
 </p:sld>
 </file>
 
@@ -15597,6 +15758,13 @@
   <p:clrMapOvr>
     <a:masterClrMapping/>
   </p:clrMapOvr>
+  <p:timing>
+    <p:tnLst>
+      <p:par>
+        <p:cTn id="1" dur="indefinite" restart="never" nodeType="tmRoot"/>
+      </p:par>
+    </p:tnLst>
+  </p:timing>
 </p:sld>
 </file>
 
@@ -17821,6 +17989,13 @@
   <p:clrMapOvr>
     <a:masterClrMapping/>
   </p:clrMapOvr>
+  <p:timing>
+    <p:tnLst>
+      <p:par>
+        <p:cTn id="1" dur="indefinite" restart="never" nodeType="tmRoot"/>
+      </p:par>
+    </p:tnLst>
+  </p:timing>
 </p:sld>
 </file>
 
@@ -17956,6 +18131,13 @@
   <p:clrMapOvr>
     <a:masterClrMapping/>
   </p:clrMapOvr>
+  <p:timing>
+    <p:tnLst>
+      <p:par>
+        <p:cTn id="1" dur="indefinite" restart="never" nodeType="tmRoot"/>
+      </p:par>
+    </p:tnLst>
+  </p:timing>
 </p:sld>
 </file>
 
@@ -18222,6 +18404,13 @@
   <p:clrMapOvr>
     <a:masterClrMapping/>
   </p:clrMapOvr>
+  <p:timing>
+    <p:tnLst>
+      <p:par>
+        <p:cTn id="1" dur="indefinite" restart="never" nodeType="tmRoot"/>
+      </p:par>
+    </p:tnLst>
+  </p:timing>
 </p:sld>
 </file>
 
@@ -18356,6 +18545,13 @@
   <p:clrMapOvr>
     <a:masterClrMapping/>
   </p:clrMapOvr>
+  <p:timing>
+    <p:tnLst>
+      <p:par>
+        <p:cTn id="1" dur="indefinite" restart="never" nodeType="tmRoot"/>
+      </p:par>
+    </p:tnLst>
+  </p:timing>
 </p:sld>
 </file>
 
@@ -18488,11 +18684,44 @@
           </a:p>
         </p:txBody>
       </p:sp>
+      <p:pic>
+        <p:nvPicPr>
+          <p:cNvPr id="5" name="Picture 2" descr="Datei:Besucher.png"/>
+          <p:cNvPicPr>
+            <a:picLocks noChangeAspect="1" noChangeArrowheads="1"/>
+          </p:cNvPicPr>
+          <p:nvPr/>
+        </p:nvPicPr>
+        <p:blipFill>
+          <a:blip r:embed="rId3" cstate="print"/>
+          <a:srcRect/>
+          <a:stretch>
+            <a:fillRect/>
+          </a:stretch>
+        </p:blipFill>
+        <p:spPr bwMode="auto">
+          <a:xfrm>
+            <a:off x="1991544" y="2376262"/>
+            <a:ext cx="6480720" cy="4428492"/>
+          </a:xfrm>
+          <a:prstGeom prst="rect">
+            <a:avLst/>
+          </a:prstGeom>
+          <a:noFill/>
+        </p:spPr>
+      </p:pic>
     </p:spTree>
   </p:cSld>
   <p:clrMapOvr>
     <a:masterClrMapping/>
   </p:clrMapOvr>
+  <p:timing>
+    <p:tnLst>
+      <p:par>
+        <p:cTn id="1" dur="indefinite" restart="never" nodeType="tmRoot"/>
+      </p:par>
+    </p:tnLst>
+  </p:timing>
 </p:sld>
 </file>
 
@@ -18962,6 +19191,13 @@
   <p:clrMapOvr>
     <a:masterClrMapping/>
   </p:clrMapOvr>
+  <p:timing>
+    <p:tnLst>
+      <p:par>
+        <p:cTn id="1" dur="indefinite" restart="never" nodeType="tmRoot"/>
+      </p:par>
+    </p:tnLst>
+  </p:timing>
 </p:sld>
 </file>
 
@@ -19169,6 +19405,13 @@
   <p:clrMapOvr>
     <a:masterClrMapping/>
   </p:clrMapOvr>
+  <p:timing>
+    <p:tnLst>
+      <p:par>
+        <p:cTn id="1" dur="indefinite" restart="never" nodeType="tmRoot"/>
+      </p:par>
+    </p:tnLst>
+  </p:timing>
 </p:sld>
 </file>
 
@@ -20879,6 +21122,13 @@
   <p:clrMapOvr>
     <a:masterClrMapping/>
   </p:clrMapOvr>
+  <p:timing>
+    <p:tnLst>
+      <p:par>
+        <p:cTn id="1" dur="indefinite" restart="never" nodeType="tmRoot"/>
+      </p:par>
+    </p:tnLst>
+  </p:timing>
 </p:sld>
 </file>
 
@@ -21032,6 +21282,13 @@
   <p:clrMapOvr>
     <a:masterClrMapping/>
   </p:clrMapOvr>
+  <p:timing>
+    <p:tnLst>
+      <p:par>
+        <p:cTn id="1" dur="indefinite" restart="never" nodeType="tmRoot"/>
+      </p:par>
+    </p:tnLst>
+  </p:timing>
 </p:sld>
 </file>
 
@@ -21333,6 +21590,13 @@
   <p:clrMapOvr>
     <a:masterClrMapping/>
   </p:clrMapOvr>
+  <p:timing>
+    <p:tnLst>
+      <p:par>
+        <p:cTn id="1" dur="indefinite" restart="never" nodeType="tmRoot"/>
+      </p:par>
+    </p:tnLst>
+  </p:timing>
 </p:sld>
 </file>
 
@@ -21503,6 +21767,13 @@
   <p:clrMapOvr>
     <a:masterClrMapping/>
   </p:clrMapOvr>
+  <p:timing>
+    <p:tnLst>
+      <p:par>
+        <p:cTn id="1" dur="indefinite" restart="never" nodeType="tmRoot"/>
+      </p:par>
+    </p:tnLst>
+  </p:timing>
 </p:sld>
 </file>
 
@@ -23675,6 +23946,13 @@
   <p:clrMapOvr>
     <a:masterClrMapping/>
   </p:clrMapOvr>
+  <p:timing>
+    <p:tnLst>
+      <p:par>
+        <p:cTn id="1" dur="indefinite" restart="never" nodeType="tmRoot"/>
+      </p:par>
+    </p:tnLst>
+  </p:timing>
 </p:sld>
 </file>
 
@@ -24441,6 +24719,13 @@
   <p:clrMapOvr>
     <a:masterClrMapping/>
   </p:clrMapOvr>
+  <p:timing>
+    <p:tnLst>
+      <p:par>
+        <p:cTn id="1" dur="indefinite" restart="never" nodeType="tmRoot"/>
+      </p:par>
+    </p:tnLst>
+  </p:timing>
 </p:sld>
 </file>
 
@@ -25819,6 +26104,13 @@
   <p:clrMapOvr>
     <a:masterClrMapping/>
   </p:clrMapOvr>
+  <p:timing>
+    <p:tnLst>
+      <p:par>
+        <p:cTn id="1" dur="indefinite" restart="never" nodeType="tmRoot"/>
+      </p:par>
+    </p:tnLst>
+  </p:timing>
 </p:sld>
 </file>
 
@@ -26016,6 +26308,13 @@
   <p:clrMapOvr>
     <a:masterClrMapping/>
   </p:clrMapOvr>
+  <p:timing>
+    <p:tnLst>
+      <p:par>
+        <p:cTn id="1" dur="indefinite" restart="never" nodeType="tmRoot"/>
+      </p:par>
+    </p:tnLst>
+  </p:timing>
 </p:sld>
 </file>
 
@@ -30685,6 +30984,13 @@
   <p:clrMapOvr>
     <a:masterClrMapping/>
   </p:clrMapOvr>
+  <p:timing>
+    <p:tnLst>
+      <p:par>
+        <p:cTn id="1" dur="indefinite" restart="never" nodeType="tmRoot"/>
+      </p:par>
+    </p:tnLst>
+  </p:timing>
 </p:sld>
 </file>
 
@@ -30937,6 +31243,13 @@
   <p:clrMapOvr>
     <a:masterClrMapping/>
   </p:clrMapOvr>
+  <p:timing>
+    <p:tnLst>
+      <p:par>
+        <p:cTn id="1" dur="indefinite" restart="never" nodeType="tmRoot"/>
+      </p:par>
+    </p:tnLst>
+  </p:timing>
 </p:sld>
 </file>
 
@@ -31122,6 +31435,13 @@
   <p:clrMapOvr>
     <a:masterClrMapping/>
   </p:clrMapOvr>
+  <p:timing>
+    <p:tnLst>
+      <p:par>
+        <p:cTn id="1" dur="indefinite" restart="never" nodeType="tmRoot"/>
+      </p:par>
+    </p:tnLst>
+  </p:timing>
 </p:sld>
 </file>
 
@@ -32103,6 +32423,13 @@
   <p:clrMapOvr>
     <a:masterClrMapping/>
   </p:clrMapOvr>
+  <p:timing>
+    <p:tnLst>
+      <p:par>
+        <p:cTn id="1" dur="indefinite" restart="never" nodeType="tmRoot"/>
+      </p:par>
+    </p:tnLst>
+  </p:timing>
 </p:sld>
 </file>
 
